--- a/slides.pptx
+++ b/slides.pptx
@@ -6,15 +6,13 @@
   </p:sldMasterIdLst>
   <p:sldIdLst>
     <p:sldId id="256" r:id="rId2"/>
-    <p:sldId id="257" r:id="rId3"/>
-    <p:sldId id="258" r:id="rId4"/>
+    <p:sldId id="258" r:id="rId3"/>
+    <p:sldId id="257" r:id="rId4"/>
     <p:sldId id="259" r:id="rId5"/>
     <p:sldId id="260" r:id="rId6"/>
     <p:sldId id="261" r:id="rId7"/>
     <p:sldId id="262" r:id="rId8"/>
     <p:sldId id="263" r:id="rId9"/>
-    <p:sldId id="264" r:id="rId10"/>
-    <p:sldId id="265" r:id="rId11"/>
   </p:sldIdLst>
   <p:sldSz cx="12192000" cy="6858000"/>
   <p:notesSz cx="6858000" cy="9144000"/>
@@ -2985,7 +2983,7 @@
         </p:nvSpPr>
         <p:spPr>
           <a:xfrm>
-            <a:off x="1524000" y="1359568"/>
+            <a:off x="1524000" y="336884"/>
             <a:ext cx="9144000" cy="1343342"/>
           </a:xfrm>
         </p:spPr>
@@ -2998,6 +2996,159 @@
               <a:t>Getting Started with Three.js</a:t>
             </a:r>
             <a:endParaRPr lang="en-US" dirty="0"/>
+          </a:p>
+        </p:txBody>
+      </p:sp>
+      <p:pic>
+        <p:nvPicPr>
+          <p:cNvPr id="1026" name="Picture 2" descr="https://stemkoski.github.io/Three.js/html-images/HelloWorld.png"/>
+          <p:cNvPicPr>
+            <a:picLocks noChangeAspect="1" noChangeArrowheads="1"/>
+          </p:cNvPicPr>
+          <p:nvPr/>
+        </p:nvPicPr>
+        <p:blipFill>
+          <a:blip r:embed="rId2">
+            <a:extLst>
+              <a:ext uri="{28A0092B-C50C-407E-A947-70E740481C1C}">
+                <a14:useLocalDpi xmlns:a14="http://schemas.microsoft.com/office/drawing/2010/main" val="0"/>
+              </a:ext>
+            </a:extLst>
+          </a:blip>
+          <a:srcRect/>
+          <a:stretch>
+            <a:fillRect/>
+          </a:stretch>
+        </p:blipFill>
+        <p:spPr bwMode="auto">
+          <a:xfrm>
+            <a:off x="1524000" y="2366026"/>
+            <a:ext cx="3486150" cy="1905000"/>
+          </a:xfrm>
+          <a:prstGeom prst="rect">
+            <a:avLst/>
+          </a:prstGeom>
+          <a:noFill/>
+          <a:extLst>
+            <a:ext uri="{909E8E84-426E-40DD-AFC4-6F175D3DCCD1}">
+              <a14:hiddenFill xmlns:a14="http://schemas.microsoft.com/office/drawing/2010/main">
+                <a:solidFill>
+                  <a:srgbClr val="FFFFFF"/>
+                </a:solidFill>
+              </a14:hiddenFill>
+            </a:ext>
+          </a:extLst>
+        </p:spPr>
+      </p:pic>
+      <p:pic>
+        <p:nvPicPr>
+          <p:cNvPr id="1028" name="Picture 4" descr="https://encrypted-tbn0.gstatic.com/images?q=tbn:ANd9GcRAZuYB6do5L2ImqqY1ppB7jTOJOAr-fbpC7ovjW6CvTy-oPegf3w"/>
+          <p:cNvPicPr>
+            <a:picLocks noChangeAspect="1" noChangeArrowheads="1"/>
+          </p:cNvPicPr>
+          <p:nvPr/>
+        </p:nvPicPr>
+        <p:blipFill>
+          <a:blip r:embed="rId3">
+            <a:extLst>
+              <a:ext uri="{28A0092B-C50C-407E-A947-70E740481C1C}">
+                <a14:useLocalDpi xmlns:a14="http://schemas.microsoft.com/office/drawing/2010/main" val="0"/>
+              </a:ext>
+            </a:extLst>
+          </a:blip>
+          <a:srcRect/>
+          <a:stretch>
+            <a:fillRect/>
+          </a:stretch>
+        </p:blipFill>
+        <p:spPr bwMode="auto">
+          <a:xfrm>
+            <a:off x="6192611" y="2221647"/>
+            <a:ext cx="4475389" cy="2514600"/>
+          </a:xfrm>
+          <a:prstGeom prst="rect">
+            <a:avLst/>
+          </a:prstGeom>
+          <a:noFill/>
+          <a:extLst>
+            <a:ext uri="{909E8E84-426E-40DD-AFC4-6F175D3DCCD1}">
+              <a14:hiddenFill xmlns:a14="http://schemas.microsoft.com/office/drawing/2010/main">
+                <a:solidFill>
+                  <a:srgbClr val="FFFFFF"/>
+                </a:solidFill>
+              </a14:hiddenFill>
+            </a:ext>
+          </a:extLst>
+        </p:spPr>
+      </p:pic>
+      <p:pic>
+        <p:nvPicPr>
+          <p:cNvPr id="1030" name="Picture 6" descr="http://i1-scripts.softpedia-static.com/screenshots/three-js_1.png"/>
+          <p:cNvPicPr>
+            <a:picLocks noChangeAspect="1" noChangeArrowheads="1"/>
+          </p:cNvPicPr>
+          <p:nvPr/>
+        </p:nvPicPr>
+        <p:blipFill>
+          <a:blip r:embed="rId4" cstate="print">
+            <a:extLst>
+              <a:ext uri="{28A0092B-C50C-407E-A947-70E740481C1C}">
+                <a14:useLocalDpi xmlns:a14="http://schemas.microsoft.com/office/drawing/2010/main" val="0"/>
+              </a:ext>
+            </a:extLst>
+          </a:blip>
+          <a:srcRect/>
+          <a:stretch>
+            <a:fillRect/>
+          </a:stretch>
+        </p:blipFill>
+        <p:spPr bwMode="auto">
+          <a:xfrm>
+            <a:off x="1524000" y="4736247"/>
+            <a:ext cx="3794117" cy="1859798"/>
+          </a:xfrm>
+          <a:prstGeom prst="rect">
+            <a:avLst/>
+          </a:prstGeom>
+          <a:noFill/>
+          <a:extLst>
+            <a:ext uri="{909E8E84-426E-40DD-AFC4-6F175D3DCCD1}">
+              <a14:hiddenFill xmlns:a14="http://schemas.microsoft.com/office/drawing/2010/main">
+                <a:solidFill>
+                  <a:srgbClr val="FFFFFF"/>
+                </a:solidFill>
+              </a14:hiddenFill>
+            </a:ext>
+          </a:extLst>
+        </p:spPr>
+      </p:pic>
+      <p:sp>
+        <p:nvSpPr>
+          <p:cNvPr id="4" name="TextBox 3"/>
+          <p:cNvSpPr txBox="1"/>
+          <p:nvPr/>
+        </p:nvSpPr>
+        <p:spPr>
+          <a:xfrm>
+            <a:off x="6701588" y="5389147"/>
+            <a:ext cx="4112441" cy="553998"/>
+          </a:xfrm>
+          <a:prstGeom prst="rect">
+            <a:avLst/>
+          </a:prstGeom>
+          <a:noFill/>
+        </p:spPr>
+        <p:txBody>
+          <a:bodyPr wrap="square" rtlCol="0">
+            <a:spAutoFit/>
+          </a:bodyPr>
+          <a:lstStyle/>
+          <a:p>
+            <a:r>
+              <a:rPr lang="en-US" sz="3000" dirty="0" smtClean="0"/>
+              <a:t>Brian Luu</a:t>
+            </a:r>
+            <a:endParaRPr lang="en-US" sz="3000" dirty="0"/>
           </a:p>
         </p:txBody>
       </p:sp>
@@ -3005,81 +3156,6 @@
     <p:extLst>
       <p:ext uri="{BB962C8B-B14F-4D97-AF65-F5344CB8AC3E}">
         <p14:creationId xmlns:p14="http://schemas.microsoft.com/office/powerpoint/2010/main" val="2184479687"/>
-      </p:ext>
-    </p:extLst>
-  </p:cSld>
-  <p:clrMapOvr>
-    <a:masterClrMapping/>
-  </p:clrMapOvr>
-  <p:timing>
-    <p:tnLst>
-      <p:par>
-        <p:cTn id="1" dur="indefinite" restart="never" nodeType="tmRoot"/>
-      </p:par>
-    </p:tnLst>
-  </p:timing>
-</p:sld>
-</file>
-
-<file path=ppt/slides/slide10.xml><?xml version="1.0" encoding="utf-8"?>
-<p:sld xmlns:a="http://schemas.openxmlformats.org/drawingml/2006/main" xmlns:r="http://schemas.openxmlformats.org/officeDocument/2006/relationships" xmlns:p="http://schemas.openxmlformats.org/presentationml/2006/main">
-  <p:cSld>
-    <p:spTree>
-      <p:nvGrpSpPr>
-        <p:cNvPr id="1" name=""/>
-        <p:cNvGrpSpPr/>
-        <p:nvPr/>
-      </p:nvGrpSpPr>
-      <p:grpSpPr>
-        <a:xfrm>
-          <a:off x="0" y="0"/>
-          <a:ext cx="0" cy="0"/>
-          <a:chOff x="0" y="0"/>
-          <a:chExt cx="0" cy="0"/>
-        </a:xfrm>
-      </p:grpSpPr>
-      <p:sp>
-        <p:nvSpPr>
-          <p:cNvPr id="2" name="Title 1"/>
-          <p:cNvSpPr>
-            <a:spLocks noGrp="1"/>
-          </p:cNvSpPr>
-          <p:nvPr>
-            <p:ph type="title"/>
-          </p:nvPr>
-        </p:nvSpPr>
-        <p:spPr/>
-        <p:txBody>
-          <a:bodyPr/>
-          <a:lstStyle/>
-          <a:p>
-            <a:endParaRPr lang="en-US"/>
-          </a:p>
-        </p:txBody>
-      </p:sp>
-      <p:sp>
-        <p:nvSpPr>
-          <p:cNvPr id="3" name="Content Placeholder 2"/>
-          <p:cNvSpPr>
-            <a:spLocks noGrp="1"/>
-          </p:cNvSpPr>
-          <p:nvPr>
-            <p:ph idx="1"/>
-          </p:nvPr>
-        </p:nvSpPr>
-        <p:spPr/>
-        <p:txBody>
-          <a:bodyPr/>
-          <a:lstStyle/>
-          <a:p>
-            <a:endParaRPr lang="en-US"/>
-          </a:p>
-        </p:txBody>
-      </p:sp>
-    </p:spTree>
-    <p:extLst>
-      <p:ext uri="{BB962C8B-B14F-4D97-AF65-F5344CB8AC3E}">
-        <p14:creationId xmlns:p14="http://schemas.microsoft.com/office/powerpoint/2010/main" val="4085425797"/>
       </p:ext>
     </p:extLst>
   </p:cSld>
@@ -3130,7 +3206,7 @@
           <a:p>
             <a:r>
               <a:rPr lang="en-US" dirty="0" smtClean="0"/>
-              <a:t>Who are you?</a:t>
+              <a:t>What is Three.JS?</a:t>
             </a:r>
             <a:endParaRPr lang="en-US" dirty="0"/>
           </a:p>
@@ -3148,39 +3224,103 @@
         </p:nvSpPr>
         <p:spPr/>
         <p:txBody>
-          <a:bodyPr/>
+          <a:bodyPr>
+            <a:normAutofit/>
+          </a:bodyPr>
           <a:lstStyle/>
           <a:p>
             <a:r>
               <a:rPr lang="en-US" dirty="0" smtClean="0"/>
-              <a:t>Familiar with HTML/CSS and JavaScript, GitHub</a:t>
-            </a:r>
-          </a:p>
-          <a:p>
-            <a:endParaRPr lang="en-US" dirty="0"/>
-          </a:p>
-          <a:p>
+              <a:t>“</a:t>
+            </a:r>
+            <a:r>
+              <a:rPr lang="en-US" dirty="0"/>
+              <a:t>Three.js is a library that makes </a:t>
+            </a:r>
+            <a:r>
+              <a:rPr lang="en-US" dirty="0" err="1"/>
+              <a:t>WebGL</a:t>
+            </a:r>
+            <a:r>
+              <a:rPr lang="en-US" dirty="0"/>
+              <a:t> - 3D in the browser - easy to use. While a simple cube in raw </a:t>
+            </a:r>
+            <a:r>
+              <a:rPr lang="en-US" dirty="0" err="1"/>
+              <a:t>WebGL</a:t>
+            </a:r>
+            <a:r>
+              <a:rPr lang="en-US" dirty="0"/>
+              <a:t> would turn out hundreds of lines of </a:t>
+            </a:r>
+            <a:r>
+              <a:rPr lang="en-US" dirty="0" err="1"/>
+              <a:t>Javascript</a:t>
+            </a:r>
+            <a:r>
+              <a:rPr lang="en-US" dirty="0"/>
+              <a:t> and </a:t>
+            </a:r>
+            <a:r>
+              <a:rPr lang="en-US" dirty="0" err="1"/>
+              <a:t>shader</a:t>
+            </a:r>
+            <a:r>
+              <a:rPr lang="en-US" dirty="0"/>
+              <a:t> code, a Three.js equivalent is only a fraction of that</a:t>
+            </a:r>
             <a:r>
               <a:rPr lang="en-US" dirty="0" smtClean="0"/>
-              <a:t>Interested in creating 3D graphics in browser</a:t>
-            </a:r>
-          </a:p>
-          <a:p>
-            <a:endParaRPr lang="en-US" dirty="0"/>
+              <a:t>.”</a:t>
+            </a:r>
           </a:p>
           <a:p>
             <a:r>
               <a:rPr lang="en-US" dirty="0" smtClean="0"/>
-              <a:t>Want to learn something fun!</a:t>
-            </a:r>
-            <a:endParaRPr lang="en-US" dirty="0"/>
+              <a:t>threejs.org</a:t>
+            </a:r>
+          </a:p>
+          <a:p>
+            <a:pPr lvl="1"/>
+            <a:r>
+              <a:rPr lang="en-US" dirty="0" smtClean="0"/>
+              <a:t>Documentation, example code, projects</a:t>
+            </a:r>
+          </a:p>
+          <a:p>
+            <a:pPr lvl="1"/>
+            <a:r>
+              <a:rPr lang="en-US" dirty="0" smtClean="0"/>
+              <a:t>Created by Ricardo Cabello, released around 2010</a:t>
+            </a:r>
+            <a:endParaRPr lang="en-US" dirty="0" smtClean="0"/>
+          </a:p>
+          <a:p>
+            <a:r>
+              <a:rPr lang="en-US" dirty="0" smtClean="0"/>
+              <a:t>Why?</a:t>
+            </a:r>
+          </a:p>
+          <a:p>
+            <a:pPr lvl="1"/>
+            <a:r>
+              <a:rPr lang="en-US" dirty="0" smtClean="0"/>
+              <a:t>Display 3D graphics in browser, easy to learn</a:t>
+            </a:r>
+          </a:p>
+          <a:p>
+            <a:pPr lvl="1"/>
+            <a:r>
+              <a:rPr lang="en-US" dirty="0" smtClean="0"/>
+              <a:t>No plugins!</a:t>
+            </a:r>
           </a:p>
         </p:txBody>
       </p:sp>
     </p:spTree>
     <p:extLst>
       <p:ext uri="{BB962C8B-B14F-4D97-AF65-F5344CB8AC3E}">
-        <p14:creationId xmlns:p14="http://schemas.microsoft.com/office/powerpoint/2010/main" val="1054690827"/>
+        <p14:creationId xmlns:p14="http://schemas.microsoft.com/office/powerpoint/2010/main" val="943762270"/>
       </p:ext>
     </p:extLst>
   </p:cSld>
@@ -3231,7 +3371,7 @@
           <a:p>
             <a:r>
               <a:rPr lang="en-US" dirty="0" smtClean="0"/>
-              <a:t>What is Three.JS?</a:t>
+              <a:t>Who are you?</a:t>
             </a:r>
             <a:endParaRPr lang="en-US" dirty="0"/>
           </a:p>
@@ -3254,74 +3394,34 @@
           <a:p>
             <a:r>
               <a:rPr lang="en-US" dirty="0" smtClean="0"/>
-              <a:t>“</a:t>
-            </a:r>
-            <a:r>
-              <a:rPr lang="en-US" dirty="0"/>
-              <a:t>Three.js is a library that makes </a:t>
-            </a:r>
-            <a:r>
-              <a:rPr lang="en-US" dirty="0" err="1"/>
-              <a:t>WebGL</a:t>
-            </a:r>
-            <a:r>
-              <a:rPr lang="en-US" dirty="0"/>
-              <a:t> - 3D in the browser - easy to use. While a simple cube in raw </a:t>
-            </a:r>
-            <a:r>
-              <a:rPr lang="en-US" dirty="0" err="1"/>
-              <a:t>WebGL</a:t>
-            </a:r>
-            <a:r>
-              <a:rPr lang="en-US" dirty="0"/>
-              <a:t> would turn out hundreds of lines of </a:t>
-            </a:r>
-            <a:r>
-              <a:rPr lang="en-US" dirty="0" err="1"/>
-              <a:t>Javascript</a:t>
-            </a:r>
-            <a:r>
-              <a:rPr lang="en-US" dirty="0"/>
-              <a:t> and </a:t>
-            </a:r>
-            <a:r>
-              <a:rPr lang="en-US" dirty="0" err="1"/>
-              <a:t>shader</a:t>
-            </a:r>
-            <a:r>
-              <a:rPr lang="en-US" dirty="0"/>
-              <a:t> code, a Three.js equivalent is only a fraction of that</a:t>
-            </a:r>
+              <a:t>Familiar with HTML/CSS and JavaScript, GitHub</a:t>
+            </a:r>
+          </a:p>
+          <a:p>
+            <a:endParaRPr lang="en-US" dirty="0"/>
+          </a:p>
+          <a:p>
             <a:r>
               <a:rPr lang="en-US" dirty="0" smtClean="0"/>
-              <a:t>.”</a:t>
-            </a:r>
-          </a:p>
-          <a:p>
-            <a:pPr marL="0" indent="0">
-              <a:buNone/>
-            </a:pPr>
-            <a:endParaRPr lang="en-US" dirty="0" smtClean="0"/>
+              <a:t>Interested in creating 3D graphics in browser</a:t>
+            </a:r>
+          </a:p>
+          <a:p>
+            <a:endParaRPr lang="en-US" dirty="0"/>
           </a:p>
           <a:p>
             <a:r>
               <a:rPr lang="en-US" dirty="0" smtClean="0"/>
-              <a:t>threejs.org</a:t>
-            </a:r>
-          </a:p>
-          <a:p>
-            <a:pPr lvl="1"/>
-            <a:r>
-              <a:rPr lang="en-US" dirty="0" smtClean="0"/>
-              <a:t>Documentation, example code, projects</a:t>
-            </a:r>
+              <a:t>Want to learn something fun!</a:t>
+            </a:r>
+            <a:endParaRPr lang="en-US" dirty="0"/>
           </a:p>
         </p:txBody>
       </p:sp>
     </p:spTree>
     <p:extLst>
       <p:ext uri="{BB962C8B-B14F-4D97-AF65-F5344CB8AC3E}">
-        <p14:creationId xmlns:p14="http://schemas.microsoft.com/office/powerpoint/2010/main" val="943762270"/>
+        <p14:creationId xmlns:p14="http://schemas.microsoft.com/office/powerpoint/2010/main" val="1054690827"/>
       </p:ext>
     </p:extLst>
   </p:cSld>
@@ -3585,44 +3685,90 @@
           <a:chExt cx="0" cy="0"/>
         </a:xfrm>
       </p:grpSpPr>
-      <p:sp>
-        <p:nvSpPr>
-          <p:cNvPr id="2" name="Title 1"/>
-          <p:cNvSpPr>
-            <a:spLocks noGrp="1"/>
-          </p:cNvSpPr>
-          <p:nvPr>
-            <p:ph type="title"/>
-          </p:nvPr>
-        </p:nvSpPr>
-        <p:spPr/>
-        <p:txBody>
-          <a:bodyPr/>
-          <a:lstStyle/>
-          <a:p>
-            <a:endParaRPr lang="en-US"/>
-          </a:p>
-        </p:txBody>
-      </p:sp>
-      <p:sp>
-        <p:nvSpPr>
-          <p:cNvPr id="3" name="Content Placeholder 2"/>
-          <p:cNvSpPr>
-            <a:spLocks noGrp="1"/>
-          </p:cNvSpPr>
+      <p:pic>
+        <p:nvPicPr>
+          <p:cNvPr id="2050" name="Picture 2" descr="https://www.agi.com/resources/help/online/AGIComponents/Programmer's%20Guide/Overview/Graphics/Camera/Images/frustum.jpg"/>
+          <p:cNvPicPr>
+            <a:picLocks noGrp="1" noChangeAspect="1" noChangeArrowheads="1"/>
+          </p:cNvPicPr>
           <p:nvPr>
             <p:ph idx="1"/>
           </p:nvPr>
-        </p:nvSpPr>
-        <p:spPr/>
-        <p:txBody>
-          <a:bodyPr/>
-          <a:lstStyle/>
-          <a:p>
-            <a:endParaRPr lang="en-US"/>
-          </a:p>
-        </p:txBody>
-      </p:sp>
+        </p:nvPicPr>
+        <p:blipFill>
+          <a:blip r:embed="rId2">
+            <a:extLst>
+              <a:ext uri="{28A0092B-C50C-407E-A947-70E740481C1C}">
+                <a14:useLocalDpi xmlns:a14="http://schemas.microsoft.com/office/drawing/2010/main" val="0"/>
+              </a:ext>
+            </a:extLst>
+          </a:blip>
+          <a:srcRect/>
+          <a:stretch>
+            <a:fillRect/>
+          </a:stretch>
+        </p:blipFill>
+        <p:spPr bwMode="auto">
+          <a:xfrm>
+            <a:off x="753231" y="579560"/>
+            <a:ext cx="6808117" cy="3198355"/>
+          </a:xfrm>
+          <a:prstGeom prst="rect">
+            <a:avLst/>
+          </a:prstGeom>
+          <a:noFill/>
+          <a:extLst>
+            <a:ext uri="{909E8E84-426E-40DD-AFC4-6F175D3DCCD1}">
+              <a14:hiddenFill xmlns:a14="http://schemas.microsoft.com/office/drawing/2010/main">
+                <a:solidFill>
+                  <a:srgbClr val="FFFFFF"/>
+                </a:solidFill>
+              </a14:hiddenFill>
+            </a:ext>
+          </a:extLst>
+        </p:spPr>
+      </p:pic>
+      <p:pic>
+        <p:nvPicPr>
+          <p:cNvPr id="2056" name="Picture 8" descr="http://www.math.cornell.edu/~mec/2008-2009/HoHonLeung/Torus.png"/>
+          <p:cNvPicPr>
+            <a:picLocks noChangeAspect="1" noChangeArrowheads="1"/>
+          </p:cNvPicPr>
+          <p:nvPr/>
+        </p:nvPicPr>
+        <p:blipFill>
+          <a:blip r:embed="rId3">
+            <a:extLst>
+              <a:ext uri="{28A0092B-C50C-407E-A947-70E740481C1C}">
+                <a14:useLocalDpi xmlns:a14="http://schemas.microsoft.com/office/drawing/2010/main" val="0"/>
+              </a:ext>
+            </a:extLst>
+          </a:blip>
+          <a:srcRect/>
+          <a:stretch>
+            <a:fillRect/>
+          </a:stretch>
+        </p:blipFill>
+        <p:spPr bwMode="auto">
+          <a:xfrm>
+            <a:off x="7446712" y="3513221"/>
+            <a:ext cx="3752850" cy="2600325"/>
+          </a:xfrm>
+          <a:prstGeom prst="rect">
+            <a:avLst/>
+          </a:prstGeom>
+          <a:noFill/>
+          <a:extLst>
+            <a:ext uri="{909E8E84-426E-40DD-AFC4-6F175D3DCCD1}">
+              <a14:hiddenFill xmlns:a14="http://schemas.microsoft.com/office/drawing/2010/main">
+                <a:solidFill>
+                  <a:srgbClr val="FFFFFF"/>
+                </a:solidFill>
+              </a14:hiddenFill>
+            </a:ext>
+          </a:extLst>
+        </p:spPr>
+      </p:pic>
     </p:spTree>
     <p:extLst>
       <p:ext uri="{BB962C8B-B14F-4D97-AF65-F5344CB8AC3E}">
@@ -3675,7 +3821,7 @@
           <a:bodyPr/>
           <a:lstStyle/>
           <a:p>
-            <a:endParaRPr lang="en-US"/>
+            <a:endParaRPr lang="en-US" dirty="0"/>
           </a:p>
         </p:txBody>
       </p:sp>
@@ -3694,7 +3840,7 @@
           <a:bodyPr/>
           <a:lstStyle/>
           <a:p>
-            <a:endParaRPr lang="en-US"/>
+            <a:endParaRPr lang="en-US" dirty="0"/>
           </a:p>
         </p:txBody>
       </p:sp>
@@ -3750,7 +3896,11 @@
           <a:bodyPr/>
           <a:lstStyle/>
           <a:p>
-            <a:endParaRPr lang="en-US"/>
+            <a:r>
+              <a:rPr lang="en-US" dirty="0" smtClean="0"/>
+              <a:t>What now?</a:t>
+            </a:r>
+            <a:endParaRPr lang="en-US" dirty="0"/>
           </a:p>
         </p:txBody>
       </p:sp>
@@ -3769,7 +3919,37 @@
           <a:bodyPr/>
           <a:lstStyle/>
           <a:p>
-            <a:endParaRPr lang="en-US"/>
+            <a:r>
+              <a:rPr lang="en-US" dirty="0" smtClean="0"/>
+              <a:t>Look at more examples!</a:t>
+            </a:r>
+          </a:p>
+          <a:p>
+            <a:endParaRPr lang="en-US" dirty="0"/>
+          </a:p>
+          <a:p>
+            <a:r>
+              <a:rPr lang="en-US" dirty="0" smtClean="0"/>
+              <a:t>Create something!</a:t>
+            </a:r>
+          </a:p>
+          <a:p>
+            <a:endParaRPr lang="en-US" dirty="0"/>
+          </a:p>
+          <a:p>
+            <a:r>
+              <a:rPr lang="en-US" dirty="0" smtClean="0"/>
+              <a:t>Look at documentation!</a:t>
+            </a:r>
+          </a:p>
+          <a:p>
+            <a:endParaRPr lang="en-US" dirty="0"/>
+          </a:p>
+          <a:p>
+            <a:r>
+              <a:rPr lang="en-US" dirty="0" smtClean="0"/>
+              <a:t>Have fun!</a:t>
+            </a:r>
           </a:p>
         </p:txBody>
       </p:sp>
@@ -3777,81 +3957,6 @@
     <p:extLst>
       <p:ext uri="{BB962C8B-B14F-4D97-AF65-F5344CB8AC3E}">
         <p14:creationId xmlns:p14="http://schemas.microsoft.com/office/powerpoint/2010/main" val="3828701569"/>
-      </p:ext>
-    </p:extLst>
-  </p:cSld>
-  <p:clrMapOvr>
-    <a:masterClrMapping/>
-  </p:clrMapOvr>
-  <p:timing>
-    <p:tnLst>
-      <p:par>
-        <p:cTn id="1" dur="indefinite" restart="never" nodeType="tmRoot"/>
-      </p:par>
-    </p:tnLst>
-  </p:timing>
-</p:sld>
-</file>
-
-<file path=ppt/slides/slide9.xml><?xml version="1.0" encoding="utf-8"?>
-<p:sld xmlns:a="http://schemas.openxmlformats.org/drawingml/2006/main" xmlns:r="http://schemas.openxmlformats.org/officeDocument/2006/relationships" xmlns:p="http://schemas.openxmlformats.org/presentationml/2006/main">
-  <p:cSld>
-    <p:spTree>
-      <p:nvGrpSpPr>
-        <p:cNvPr id="1" name=""/>
-        <p:cNvGrpSpPr/>
-        <p:nvPr/>
-      </p:nvGrpSpPr>
-      <p:grpSpPr>
-        <a:xfrm>
-          <a:off x="0" y="0"/>
-          <a:ext cx="0" cy="0"/>
-          <a:chOff x="0" y="0"/>
-          <a:chExt cx="0" cy="0"/>
-        </a:xfrm>
-      </p:grpSpPr>
-      <p:sp>
-        <p:nvSpPr>
-          <p:cNvPr id="2" name="Title 1"/>
-          <p:cNvSpPr>
-            <a:spLocks noGrp="1"/>
-          </p:cNvSpPr>
-          <p:nvPr>
-            <p:ph type="title"/>
-          </p:nvPr>
-        </p:nvSpPr>
-        <p:spPr/>
-        <p:txBody>
-          <a:bodyPr/>
-          <a:lstStyle/>
-          <a:p>
-            <a:endParaRPr lang="en-US"/>
-          </a:p>
-        </p:txBody>
-      </p:sp>
-      <p:sp>
-        <p:nvSpPr>
-          <p:cNvPr id="3" name="Content Placeholder 2"/>
-          <p:cNvSpPr>
-            <a:spLocks noGrp="1"/>
-          </p:cNvSpPr>
-          <p:nvPr>
-            <p:ph idx="1"/>
-          </p:nvPr>
-        </p:nvSpPr>
-        <p:spPr/>
-        <p:txBody>
-          <a:bodyPr/>
-          <a:lstStyle/>
-          <a:p>
-            <a:endParaRPr lang="en-US"/>
-          </a:p>
-        </p:txBody>
-      </p:sp>
-    </p:spTree>
-    <p:extLst>
-      <p:ext uri="{BB962C8B-B14F-4D97-AF65-F5344CB8AC3E}">
-        <p14:creationId xmlns:p14="http://schemas.microsoft.com/office/powerpoint/2010/main" val="3871072640"/>
       </p:ext>
     </p:extLst>
   </p:cSld>

--- a/slides.pptx
+++ b/slides.pptx
@@ -11,8 +11,7 @@
     <p:sldId id="259" r:id="rId5"/>
     <p:sldId id="260" r:id="rId6"/>
     <p:sldId id="261" r:id="rId7"/>
-    <p:sldId id="262" r:id="rId8"/>
-    <p:sldId id="263" r:id="rId9"/>
+    <p:sldId id="263" r:id="rId8"/>
   </p:sldIdLst>
   <p:sldSz cx="12192000" cy="6858000"/>
   <p:notesSz cx="6858000" cy="9144000"/>
@@ -111,6 +110,11 @@
       </a:defRPr>
     </a:lvl9pPr>
   </p:defaultTextStyle>
+  <p:extLst>
+    <p:ext uri="{EFAFB233-063F-42B5-8137-9DF3F51BA10A}">
+      <p15:sldGuideLst xmlns:p15="http://schemas.microsoft.com/office/powerpoint/2012/main"/>
+    </p:ext>
+  </p:extLst>
 </p:presentation>
 </file>
 
@@ -245,7 +249,7 @@
           <a:p>
             <a:fld id="{D46060F0-3181-48B5-959D-FAA9522E4D21}" type="datetimeFigureOut">
               <a:rPr lang="en-US" smtClean="0"/>
-              <a:t>11/21/2015</a:t>
+              <a:t>11/22/2015</a:t>
             </a:fld>
             <a:endParaRPr lang="en-US"/>
           </a:p>
@@ -415,7 +419,7 @@
           <a:p>
             <a:fld id="{D46060F0-3181-48B5-959D-FAA9522E4D21}" type="datetimeFigureOut">
               <a:rPr lang="en-US" smtClean="0"/>
-              <a:t>11/21/2015</a:t>
+              <a:t>11/22/2015</a:t>
             </a:fld>
             <a:endParaRPr lang="en-US"/>
           </a:p>
@@ -595,7 +599,7 @@
           <a:p>
             <a:fld id="{D46060F0-3181-48B5-959D-FAA9522E4D21}" type="datetimeFigureOut">
               <a:rPr lang="en-US" smtClean="0"/>
-              <a:t>11/21/2015</a:t>
+              <a:t>11/22/2015</a:t>
             </a:fld>
             <a:endParaRPr lang="en-US"/>
           </a:p>
@@ -765,7 +769,7 @@
           <a:p>
             <a:fld id="{D46060F0-3181-48B5-959D-FAA9522E4D21}" type="datetimeFigureOut">
               <a:rPr lang="en-US" smtClean="0"/>
-              <a:t>11/21/2015</a:t>
+              <a:t>11/22/2015</a:t>
             </a:fld>
             <a:endParaRPr lang="en-US"/>
           </a:p>
@@ -1011,7 +1015,7 @@
           <a:p>
             <a:fld id="{D46060F0-3181-48B5-959D-FAA9522E4D21}" type="datetimeFigureOut">
               <a:rPr lang="en-US" smtClean="0"/>
-              <a:t>11/21/2015</a:t>
+              <a:t>11/22/2015</a:t>
             </a:fld>
             <a:endParaRPr lang="en-US"/>
           </a:p>
@@ -1243,7 +1247,7 @@
           <a:p>
             <a:fld id="{D46060F0-3181-48B5-959D-FAA9522E4D21}" type="datetimeFigureOut">
               <a:rPr lang="en-US" smtClean="0"/>
-              <a:t>11/21/2015</a:t>
+              <a:t>11/22/2015</a:t>
             </a:fld>
             <a:endParaRPr lang="en-US"/>
           </a:p>
@@ -1610,7 +1614,7 @@
           <a:p>
             <a:fld id="{D46060F0-3181-48B5-959D-FAA9522E4D21}" type="datetimeFigureOut">
               <a:rPr lang="en-US" smtClean="0"/>
-              <a:t>11/21/2015</a:t>
+              <a:t>11/22/2015</a:t>
             </a:fld>
             <a:endParaRPr lang="en-US"/>
           </a:p>
@@ -1728,7 +1732,7 @@
           <a:p>
             <a:fld id="{D46060F0-3181-48B5-959D-FAA9522E4D21}" type="datetimeFigureOut">
               <a:rPr lang="en-US" smtClean="0"/>
-              <a:t>11/21/2015</a:t>
+              <a:t>11/22/2015</a:t>
             </a:fld>
             <a:endParaRPr lang="en-US"/>
           </a:p>
@@ -1823,7 +1827,7 @@
           <a:p>
             <a:fld id="{D46060F0-3181-48B5-959D-FAA9522E4D21}" type="datetimeFigureOut">
               <a:rPr lang="en-US" smtClean="0"/>
-              <a:t>11/21/2015</a:t>
+              <a:t>11/22/2015</a:t>
             </a:fld>
             <a:endParaRPr lang="en-US"/>
           </a:p>
@@ -2100,7 +2104,7 @@
           <a:p>
             <a:fld id="{D46060F0-3181-48B5-959D-FAA9522E4D21}" type="datetimeFigureOut">
               <a:rPr lang="en-US" smtClean="0"/>
-              <a:t>11/21/2015</a:t>
+              <a:t>11/22/2015</a:t>
             </a:fld>
             <a:endParaRPr lang="en-US"/>
           </a:p>
@@ -2353,7 +2357,7 @@
           <a:p>
             <a:fld id="{D46060F0-3181-48B5-959D-FAA9522E4D21}" type="datetimeFigureOut">
               <a:rPr lang="en-US" smtClean="0"/>
-              <a:t>11/21/2015</a:t>
+              <a:t>11/22/2015</a:t>
             </a:fld>
             <a:endParaRPr lang="en-US"/>
           </a:p>
@@ -2566,7 +2570,7 @@
           <a:p>
             <a:fld id="{D46060F0-3181-48B5-959D-FAA9522E4D21}" type="datetimeFigureOut">
               <a:rPr lang="en-US" smtClean="0"/>
-              <a:t>11/21/2015</a:t>
+              <a:t>11/22/2015</a:t>
             </a:fld>
             <a:endParaRPr lang="en-US"/>
           </a:p>
@@ -3293,7 +3297,6 @@
               <a:rPr lang="en-US" dirty="0" smtClean="0"/>
               <a:t>Created by Ricardo Cabello, released around 2010</a:t>
             </a:r>
-            <a:endParaRPr lang="en-US" dirty="0" smtClean="0"/>
           </a:p>
           <a:p>
             <a:r>
@@ -3606,7 +3609,25 @@
           <a:p>
             <a:r>
               <a:rPr lang="en-US" dirty="0" smtClean="0"/>
-              <a:t>Scene, camera, renderer</a:t>
+              <a:t>Scene, camera, </a:t>
+            </a:r>
+            <a:r>
+              <a:rPr lang="en-US" dirty="0" smtClean="0"/>
+              <a:t>renderer</a:t>
+            </a:r>
+          </a:p>
+          <a:p>
+            <a:r>
+              <a:rPr lang="en-US" dirty="0" smtClean="0"/>
+              <a:t>“</a:t>
+            </a:r>
+            <a:r>
+              <a:rPr lang="en-US" dirty="0"/>
+              <a:t>A renderer is what makes an object appear on the screen</a:t>
+            </a:r>
+            <a:r>
+              <a:rPr lang="en-US" dirty="0" smtClean="0"/>
+              <a:t>.”</a:t>
             </a:r>
             <a:endParaRPr lang="en-US" dirty="0"/>
           </a:p>
@@ -3790,81 +3811,6 @@
 </file>
 
 <file path=ppt/slides/slide7.xml><?xml version="1.0" encoding="utf-8"?>
-<p:sld xmlns:a="http://schemas.openxmlformats.org/drawingml/2006/main" xmlns:r="http://schemas.openxmlformats.org/officeDocument/2006/relationships" xmlns:p="http://schemas.openxmlformats.org/presentationml/2006/main">
-  <p:cSld>
-    <p:spTree>
-      <p:nvGrpSpPr>
-        <p:cNvPr id="1" name=""/>
-        <p:cNvGrpSpPr/>
-        <p:nvPr/>
-      </p:nvGrpSpPr>
-      <p:grpSpPr>
-        <a:xfrm>
-          <a:off x="0" y="0"/>
-          <a:ext cx="0" cy="0"/>
-          <a:chOff x="0" y="0"/>
-          <a:chExt cx="0" cy="0"/>
-        </a:xfrm>
-      </p:grpSpPr>
-      <p:sp>
-        <p:nvSpPr>
-          <p:cNvPr id="2" name="Title 1"/>
-          <p:cNvSpPr>
-            <a:spLocks noGrp="1"/>
-          </p:cNvSpPr>
-          <p:nvPr>
-            <p:ph type="title"/>
-          </p:nvPr>
-        </p:nvSpPr>
-        <p:spPr/>
-        <p:txBody>
-          <a:bodyPr/>
-          <a:lstStyle/>
-          <a:p>
-            <a:endParaRPr lang="en-US" dirty="0"/>
-          </a:p>
-        </p:txBody>
-      </p:sp>
-      <p:sp>
-        <p:nvSpPr>
-          <p:cNvPr id="3" name="Content Placeholder 2"/>
-          <p:cNvSpPr>
-            <a:spLocks noGrp="1"/>
-          </p:cNvSpPr>
-          <p:nvPr>
-            <p:ph idx="1"/>
-          </p:nvPr>
-        </p:nvSpPr>
-        <p:spPr/>
-        <p:txBody>
-          <a:bodyPr/>
-          <a:lstStyle/>
-          <a:p>
-            <a:endParaRPr lang="en-US" dirty="0"/>
-          </a:p>
-        </p:txBody>
-      </p:sp>
-    </p:spTree>
-    <p:extLst>
-      <p:ext uri="{BB962C8B-B14F-4D97-AF65-F5344CB8AC3E}">
-        <p14:creationId xmlns:p14="http://schemas.microsoft.com/office/powerpoint/2010/main" val="4148433030"/>
-      </p:ext>
-    </p:extLst>
-  </p:cSld>
-  <p:clrMapOvr>
-    <a:masterClrMapping/>
-  </p:clrMapOvr>
-  <p:timing>
-    <p:tnLst>
-      <p:par>
-        <p:cTn id="1" dur="indefinite" restart="never" nodeType="tmRoot"/>
-      </p:par>
-    </p:tnLst>
-  </p:timing>
-</p:sld>
-</file>
-
-<file path=ppt/slides/slide8.xml><?xml version="1.0" encoding="utf-8"?>
 <p:sld xmlns:a="http://schemas.openxmlformats.org/drawingml/2006/main" xmlns:r="http://schemas.openxmlformats.org/officeDocument/2006/relationships" xmlns:p="http://schemas.openxmlformats.org/presentationml/2006/main">
   <p:cSld>
     <p:spTree>
